--- a/微信小程序.pptx
+++ b/微信小程序.pptx
@@ -5,16 +5,17 @@
     <p:sldMasterId id="2147483660" r:id="rId1"/>
   </p:sldMasterIdLst>
   <p:notesMasterIdLst>
-    <p:notesMasterId r:id="rId6"/>
+    <p:notesMasterId r:id="rId7"/>
   </p:notesMasterIdLst>
   <p:handoutMasterIdLst>
-    <p:handoutMasterId r:id="rId7"/>
+    <p:handoutMasterId r:id="rId8"/>
   </p:handoutMasterIdLst>
   <p:sldIdLst>
     <p:sldId id="459" r:id="rId2"/>
     <p:sldId id="462" r:id="rId3"/>
     <p:sldId id="461" r:id="rId4"/>
     <p:sldId id="460" r:id="rId5"/>
+    <p:sldId id="463" r:id="rId6"/>
   </p:sldIdLst>
   <p:sldSz cx="12192000" cy="6858000"/>
   <p:notesSz cx="6858000" cy="9144000"/>
@@ -241,7 +242,7 @@
           <a:p>
             <a:fld id="{90F1E51E-D5F1-430E-938E-0D2F9698890E}" type="datetimeFigureOut">
               <a:rPr lang="zh-CN" altLang="en-US" smtClean="0"/>
-              <a:t>2018/6/10</a:t>
+              <a:t>2018/6/11</a:t>
             </a:fld>
             <a:endParaRPr lang="zh-CN" altLang="en-US"/>
           </a:p>
@@ -418,7 +419,7 @@
           <a:p>
             <a:fld id="{95ECA1A2-3169-463A-8DC2-9AFFE6AA88B4}" type="datetimeFigureOut">
               <a:rPr lang="zh-CN" altLang="en-US" smtClean="0"/>
-              <a:t>2018/6/10</a:t>
+              <a:t>2018/6/11</a:t>
             </a:fld>
             <a:endParaRPr lang="zh-CN" altLang="en-US"/>
           </a:p>
@@ -6258,6 +6259,393 @@
     <p:extLst>
       <p:ext uri="{BB962C8B-B14F-4D97-AF65-F5344CB8AC3E}">
         <p14:creationId xmlns:p14="http://schemas.microsoft.com/office/powerpoint/2010/main" val="498974999"/>
+      </p:ext>
+    </p:extLst>
+  </p:cSld>
+  <p:clrMapOvr>
+    <a:masterClrMapping/>
+  </p:clrMapOvr>
+</p:sld>
+</file>
+
+<file path=ppt/slides/slide5.xml><?xml version="1.0" encoding="utf-8"?>
+<p:sld xmlns:a="http://schemas.openxmlformats.org/drawingml/2006/main" xmlns:r="http://schemas.openxmlformats.org/officeDocument/2006/relationships" xmlns:p="http://schemas.openxmlformats.org/presentationml/2006/main">
+  <p:cSld>
+    <p:spTree>
+      <p:nvGrpSpPr>
+        <p:cNvPr id="1" name=""/>
+        <p:cNvGrpSpPr/>
+        <p:nvPr/>
+      </p:nvGrpSpPr>
+      <p:grpSpPr>
+        <a:xfrm>
+          <a:off x="0" y="0"/>
+          <a:ext cx="0" cy="0"/>
+          <a:chOff x="0" y="0"/>
+          <a:chExt cx="0" cy="0"/>
+        </a:xfrm>
+      </p:grpSpPr>
+      <p:sp>
+        <p:nvSpPr>
+          <p:cNvPr id="2" name="标题 1">
+            <a:extLst>
+              <a:ext uri="{FF2B5EF4-FFF2-40B4-BE49-F238E27FC236}">
+                <a16:creationId xmlns:a16="http://schemas.microsoft.com/office/drawing/2014/main" id="{6CD933DF-09B4-4E25-9655-456F08C1BDA0}"/>
+              </a:ext>
+            </a:extLst>
+          </p:cNvPr>
+          <p:cNvSpPr>
+            <a:spLocks noGrp="1"/>
+          </p:cNvSpPr>
+          <p:nvPr>
+            <p:ph type="title"/>
+          </p:nvPr>
+        </p:nvSpPr>
+        <p:spPr/>
+        <p:txBody>
+          <a:bodyPr/>
+          <a:lstStyle/>
+          <a:p>
+            <a:r>
+              <a:rPr lang="en-US" dirty="0"/>
+              <a:t>Include import</a:t>
+            </a:r>
+          </a:p>
+        </p:txBody>
+      </p:sp>
+      <p:graphicFrame>
+        <p:nvGraphicFramePr>
+          <p:cNvPr id="4" name="内容占位符 3">
+            <a:extLst>
+              <a:ext uri="{FF2B5EF4-FFF2-40B4-BE49-F238E27FC236}">
+                <a16:creationId xmlns:a16="http://schemas.microsoft.com/office/drawing/2014/main" id="{C40C0460-3A3D-46AF-A100-91C9D1D2B42A}"/>
+              </a:ext>
+            </a:extLst>
+          </p:cNvPr>
+          <p:cNvGraphicFramePr>
+            <a:graphicFrameLocks noGrp="1"/>
+          </p:cNvGraphicFramePr>
+          <p:nvPr>
+            <p:ph idx="1"/>
+            <p:extLst>
+              <p:ext uri="{D42A27DB-BD31-4B8C-83A1-F6EECF244321}">
+                <p14:modId xmlns:p14="http://schemas.microsoft.com/office/powerpoint/2010/main" val="2260687"/>
+              </p:ext>
+            </p:extLst>
+          </p:nvPr>
+        </p:nvGraphicFramePr>
+        <p:xfrm>
+          <a:off x="620713" y="990600"/>
+          <a:ext cx="11131551" cy="2397760"/>
+        </p:xfrm>
+        <a:graphic>
+          <a:graphicData uri="http://schemas.openxmlformats.org/drawingml/2006/table">
+            <a:tbl>
+              <a:tblPr firstRow="1" bandRow="1">
+                <a:tableStyleId>{21E4AEA4-8DFA-4A89-87EB-49C32662AFE0}</a:tableStyleId>
+              </a:tblPr>
+              <a:tblGrid>
+                <a:gridCol w="3710517">
+                  <a:extLst>
+                    <a:ext uri="{9D8B030D-6E8A-4147-A177-3AD203B41FA5}">
+                      <a16:colId xmlns:a16="http://schemas.microsoft.com/office/drawing/2014/main" val="1155255099"/>
+                    </a:ext>
+                  </a:extLst>
+                </a:gridCol>
+                <a:gridCol w="3710517">
+                  <a:extLst>
+                    <a:ext uri="{9D8B030D-6E8A-4147-A177-3AD203B41FA5}">
+                      <a16:colId xmlns:a16="http://schemas.microsoft.com/office/drawing/2014/main" val="1025567213"/>
+                    </a:ext>
+                  </a:extLst>
+                </a:gridCol>
+                <a:gridCol w="3710517">
+                  <a:extLst>
+                    <a:ext uri="{9D8B030D-6E8A-4147-A177-3AD203B41FA5}">
+                      <a16:colId xmlns:a16="http://schemas.microsoft.com/office/drawing/2014/main" val="21312872"/>
+                    </a:ext>
+                  </a:extLst>
+                </a:gridCol>
+              </a:tblGrid>
+              <a:tr h="370840">
+                <a:tc>
+                  <a:txBody>
+                    <a:bodyPr/>
+                    <a:lstStyle/>
+                    <a:p>
+                      <a:endParaRPr lang="en-US" dirty="0"/>
+                    </a:p>
+                  </a:txBody>
+                  <a:tcPr/>
+                </a:tc>
+                <a:tc>
+                  <a:txBody>
+                    <a:bodyPr/>
+                    <a:lstStyle/>
+                    <a:p>
+                      <a:r>
+                        <a:rPr lang="en-US" dirty="0"/>
+                        <a:t>Include</a:t>
+                      </a:r>
+                    </a:p>
+                  </a:txBody>
+                  <a:tcPr/>
+                </a:tc>
+                <a:tc>
+                  <a:txBody>
+                    <a:bodyPr/>
+                    <a:lstStyle/>
+                    <a:p>
+                      <a:r>
+                        <a:rPr lang="en-US" dirty="0"/>
+                        <a:t>Import</a:t>
+                      </a:r>
+                    </a:p>
+                  </a:txBody>
+                  <a:tcPr/>
+                </a:tc>
+                <a:extLst>
+                  <a:ext uri="{0D108BD9-81ED-4DB2-BD59-A6C34878D82A}">
+                    <a16:rowId xmlns:a16="http://schemas.microsoft.com/office/drawing/2014/main" val="369878892"/>
+                  </a:ext>
+                </a:extLst>
+              </a:tr>
+              <a:tr h="370840">
+                <a:tc>
+                  <a:txBody>
+                    <a:bodyPr/>
+                    <a:lstStyle/>
+                    <a:p>
+                      <a:r>
+                        <a:rPr lang="zh-CN" altLang="en-US" dirty="0"/>
+                        <a:t>使用</a:t>
+                      </a:r>
+                      <a:endParaRPr lang="en-US" dirty="0"/>
+                    </a:p>
+                  </a:txBody>
+                  <a:tcPr/>
+                </a:tc>
+                <a:tc>
+                  <a:txBody>
+                    <a:bodyPr/>
+                    <a:lstStyle/>
+                    <a:p>
+                      <a:r>
+                        <a:rPr lang="zh-CN" altLang="en-US" dirty="0"/>
+                        <a:t>在需要的地方直接引用模版</a:t>
+                      </a:r>
+                      <a:endParaRPr lang="en-US" dirty="0"/>
+                    </a:p>
+                  </a:txBody>
+                  <a:tcPr/>
+                </a:tc>
+                <a:tc>
+                  <a:txBody>
+                    <a:bodyPr/>
+                    <a:lstStyle/>
+                    <a:p>
+                      <a:r>
+                        <a:rPr lang="zh-CN" altLang="en-US" dirty="0"/>
+                        <a:t>先引入模版文件，再使用模版</a:t>
+                      </a:r>
+                      <a:endParaRPr lang="en-US" dirty="0"/>
+                    </a:p>
+                  </a:txBody>
+                  <a:tcPr/>
+                </a:tc>
+                <a:extLst>
+                  <a:ext uri="{0D108BD9-81ED-4DB2-BD59-A6C34878D82A}">
+                    <a16:rowId xmlns:a16="http://schemas.microsoft.com/office/drawing/2014/main" val="2244211385"/>
+                  </a:ext>
+                </a:extLst>
+              </a:tr>
+              <a:tr h="370840">
+                <a:tc>
+                  <a:txBody>
+                    <a:bodyPr/>
+                    <a:lstStyle/>
+                    <a:p>
+                      <a:endParaRPr lang="en-US" dirty="0"/>
+                    </a:p>
+                  </a:txBody>
+                  <a:tcPr/>
+                </a:tc>
+                <a:tc>
+                  <a:txBody>
+                    <a:bodyPr/>
+                    <a:lstStyle/>
+                    <a:p>
+                      <a:r>
+                        <a:rPr lang="zh-CN" altLang="en-US" dirty="0"/>
+                        <a:t>不能引入</a:t>
+                      </a:r>
+                      <a:r>
+                        <a:rPr lang="en-US" altLang="zh-CN" dirty="0"/>
+                        <a:t>&lt;template&gt;</a:t>
+                      </a:r>
+                      <a:r>
+                        <a:rPr lang="zh-CN" altLang="en-US" dirty="0"/>
+                        <a:t>标签包含的内容</a:t>
+                      </a:r>
+                      <a:endParaRPr lang="en-US" dirty="0"/>
+                    </a:p>
+                  </a:txBody>
+                  <a:tcPr/>
+                </a:tc>
+                <a:tc>
+                  <a:txBody>
+                    <a:bodyPr/>
+                    <a:lstStyle/>
+                    <a:p>
+                      <a:pPr marL="0" marR="0" lvl="0" indent="0" algn="l" defTabSz="914400" rtl="0" eaLnBrk="1" fontAlgn="auto" latinLnBrk="0" hangingPunct="1">
+                        <a:lnSpc>
+                          <a:spcPct val="100000"/>
+                        </a:lnSpc>
+                        <a:spcBef>
+                          <a:spcPts val="0"/>
+                        </a:spcBef>
+                        <a:spcAft>
+                          <a:spcPts val="0"/>
+                        </a:spcAft>
+                        <a:buClrTx/>
+                        <a:buSzTx/>
+                        <a:buFontTx/>
+                        <a:buNone/>
+                        <a:tabLst/>
+                        <a:defRPr/>
+                      </a:pPr>
+                      <a:r>
+                        <a:rPr lang="zh-CN" altLang="en-US" dirty="0"/>
+                        <a:t>可以引用</a:t>
+                      </a:r>
+                      <a:r>
+                        <a:rPr lang="en-US" altLang="zh-CN" dirty="0"/>
+                        <a:t>&lt;template&gt;</a:t>
+                      </a:r>
+                      <a:r>
+                        <a:rPr lang="zh-CN" altLang="en-US" dirty="0"/>
+                        <a:t>标签包含的内容</a:t>
+                      </a:r>
+                      <a:endParaRPr lang="en-US" dirty="0"/>
+                    </a:p>
+                    <a:p>
+                      <a:endParaRPr lang="en-US" dirty="0"/>
+                    </a:p>
+                  </a:txBody>
+                  <a:tcPr/>
+                </a:tc>
+                <a:extLst>
+                  <a:ext uri="{0D108BD9-81ED-4DB2-BD59-A6C34878D82A}">
+                    <a16:rowId xmlns:a16="http://schemas.microsoft.com/office/drawing/2014/main" val="621959716"/>
+                  </a:ext>
+                </a:extLst>
+              </a:tr>
+              <a:tr h="370840">
+                <a:tc>
+                  <a:txBody>
+                    <a:bodyPr/>
+                    <a:lstStyle/>
+                    <a:p>
+                      <a:endParaRPr lang="en-US"/>
+                    </a:p>
+                  </a:txBody>
+                  <a:tcPr/>
+                </a:tc>
+                <a:tc>
+                  <a:txBody>
+                    <a:bodyPr/>
+                    <a:lstStyle/>
+                    <a:p>
+                      <a:r>
+                        <a:rPr lang="zh-CN" altLang="en-US" dirty="0"/>
+                        <a:t>无法向模版里传递变量</a:t>
+                      </a:r>
+                      <a:endParaRPr lang="en-US" dirty="0"/>
+                    </a:p>
+                  </a:txBody>
+                  <a:tcPr/>
+                </a:tc>
+                <a:tc>
+                  <a:txBody>
+                    <a:bodyPr/>
+                    <a:lstStyle/>
+                    <a:p>
+                      <a:r>
+                        <a:rPr lang="zh-CN" altLang="en-US" dirty="0"/>
+                        <a:t>可以向模版里传递变量</a:t>
+                      </a:r>
+                      <a:endParaRPr lang="en-US" dirty="0"/>
+                    </a:p>
+                  </a:txBody>
+                  <a:tcPr/>
+                </a:tc>
+                <a:extLst>
+                  <a:ext uri="{0D108BD9-81ED-4DB2-BD59-A6C34878D82A}">
+                    <a16:rowId xmlns:a16="http://schemas.microsoft.com/office/drawing/2014/main" val="1727251465"/>
+                  </a:ext>
+                </a:extLst>
+              </a:tr>
+              <a:tr h="370840">
+                <a:tc>
+                  <a:txBody>
+                    <a:bodyPr/>
+                    <a:lstStyle/>
+                    <a:p>
+                      <a:endParaRPr lang="en-US" dirty="0"/>
+                    </a:p>
+                  </a:txBody>
+                  <a:tcPr/>
+                </a:tc>
+                <a:tc>
+                  <a:txBody>
+                    <a:bodyPr/>
+                    <a:lstStyle/>
+                    <a:p>
+                      <a:r>
+                        <a:rPr lang="zh-CN" altLang="en-US" dirty="0"/>
+                        <a:t>简单代码替换</a:t>
+                      </a:r>
+                      <a:endParaRPr lang="en-US" dirty="0"/>
+                    </a:p>
+                  </a:txBody>
+                  <a:tcPr/>
+                </a:tc>
+                <a:tc>
+                  <a:txBody>
+                    <a:bodyPr/>
+                    <a:lstStyle/>
+                    <a:p>
+                      <a:r>
+                        <a:rPr lang="zh-CN" altLang="en-US" dirty="0"/>
+                        <a:t>有作用域</a:t>
+                      </a:r>
+                      <a:r>
+                        <a:rPr lang="zh-CN" altLang="en-US"/>
+                        <a:t>概念，不会递归</a:t>
+                      </a:r>
+                      <a:r>
+                        <a:rPr lang="en-US" altLang="zh-CN" dirty="0"/>
+                        <a:t>imports</a:t>
+                      </a:r>
+                      <a:endParaRPr lang="en-US" dirty="0"/>
+                    </a:p>
+                  </a:txBody>
+                  <a:tcPr/>
+                </a:tc>
+                <a:extLst>
+                  <a:ext uri="{0D108BD9-81ED-4DB2-BD59-A6C34878D82A}">
+                    <a16:rowId xmlns:a16="http://schemas.microsoft.com/office/drawing/2014/main" val="356033212"/>
+                  </a:ext>
+                </a:extLst>
+              </a:tr>
+            </a:tbl>
+          </a:graphicData>
+        </a:graphic>
+      </p:graphicFrame>
+    </p:spTree>
+    <p:extLst>
+      <p:ext uri="{BB962C8B-B14F-4D97-AF65-F5344CB8AC3E}">
+        <p14:creationId xmlns:p14="http://schemas.microsoft.com/office/powerpoint/2010/main" val="3948240446"/>
       </p:ext>
     </p:extLst>
   </p:cSld>
